--- a/Lab1/Lab 1.pptx
+++ b/Lab1/Lab 1.pptx
@@ -5,7 +5,7 @@
     <p:sldMasterId id="2147483648" r:id="rId1"/>
   </p:sldMasterIdLst>
   <p:handoutMasterIdLst>
-    <p:handoutMasterId r:id="rId13"/>
+    <p:handoutMasterId r:id="rId12"/>
   </p:handoutMasterIdLst>
   <p:sldIdLst>
     <p:sldId id="256" r:id="rId2"/>
@@ -14,11 +14,10 @@
     <p:sldId id="258" r:id="rId5"/>
     <p:sldId id="269" r:id="rId6"/>
     <p:sldId id="273" r:id="rId7"/>
-    <p:sldId id="261" r:id="rId8"/>
-    <p:sldId id="262" r:id="rId9"/>
-    <p:sldId id="274" r:id="rId10"/>
-    <p:sldId id="272" r:id="rId11"/>
-    <p:sldId id="265" r:id="rId12"/>
+    <p:sldId id="262" r:id="rId8"/>
+    <p:sldId id="274" r:id="rId9"/>
+    <p:sldId id="272" r:id="rId10"/>
+    <p:sldId id="265" r:id="rId11"/>
   </p:sldIdLst>
   <p:sldSz cx="12192000" cy="6858000"/>
   <p:notesSz cx="7010400" cy="9296400"/>
@@ -207,7 +206,7 @@
           <a:p>
             <a:fld id="{D3D2BED9-7D2F-4BF1-AFC6-C42B6F2BE444}" type="datetimeFigureOut">
               <a:rPr lang="en-US" smtClean="0"/>
-              <a:t>9/9/2019</a:t>
+              <a:t>9/11/2019</a:t>
             </a:fld>
             <a:endParaRPr lang="en-US"/>
           </a:p>
@@ -414,7 +413,7 @@
           <a:p>
             <a:fld id="{9AB2F1A7-8F21-47BF-A926-FB33229344C5}" type="datetimeFigureOut">
               <a:rPr lang="en-US" smtClean="0"/>
-              <a:t>9/9/2019</a:t>
+              <a:t>9/11/2019</a:t>
             </a:fld>
             <a:endParaRPr lang="en-US"/>
           </a:p>
@@ -577,7 +576,7 @@
           <a:p>
             <a:fld id="{9AB2F1A7-8F21-47BF-A926-FB33229344C5}" type="datetimeFigureOut">
               <a:rPr lang="en-US" smtClean="0"/>
-              <a:t>9/9/2019</a:t>
+              <a:t>9/11/2019</a:t>
             </a:fld>
             <a:endParaRPr lang="en-US"/>
           </a:p>
@@ -750,7 +749,7 @@
           <a:p>
             <a:fld id="{9AB2F1A7-8F21-47BF-A926-FB33229344C5}" type="datetimeFigureOut">
               <a:rPr lang="en-US" smtClean="0"/>
-              <a:t>9/9/2019</a:t>
+              <a:t>9/11/2019</a:t>
             </a:fld>
             <a:endParaRPr lang="en-US"/>
           </a:p>
@@ -913,7 +912,7 @@
           <a:p>
             <a:fld id="{9AB2F1A7-8F21-47BF-A926-FB33229344C5}" type="datetimeFigureOut">
               <a:rPr lang="en-US" smtClean="0"/>
-              <a:t>9/9/2019</a:t>
+              <a:t>9/11/2019</a:t>
             </a:fld>
             <a:endParaRPr lang="en-US"/>
           </a:p>
@@ -1153,7 +1152,7 @@
           <a:p>
             <a:fld id="{9AB2F1A7-8F21-47BF-A926-FB33229344C5}" type="datetimeFigureOut">
               <a:rPr lang="en-US" smtClean="0"/>
-              <a:t>9/9/2019</a:t>
+              <a:t>9/11/2019</a:t>
             </a:fld>
             <a:endParaRPr lang="en-US"/>
           </a:p>
@@ -1377,7 +1376,7 @@
           <a:p>
             <a:fld id="{9AB2F1A7-8F21-47BF-A926-FB33229344C5}" type="datetimeFigureOut">
               <a:rPr lang="en-US" smtClean="0"/>
-              <a:t>9/9/2019</a:t>
+              <a:t>9/11/2019</a:t>
             </a:fld>
             <a:endParaRPr lang="en-US"/>
           </a:p>
@@ -1736,7 +1735,7 @@
           <a:p>
             <a:fld id="{9AB2F1A7-8F21-47BF-A926-FB33229344C5}" type="datetimeFigureOut">
               <a:rPr lang="en-US" smtClean="0"/>
-              <a:t>9/9/2019</a:t>
+              <a:t>9/11/2019</a:t>
             </a:fld>
             <a:endParaRPr lang="en-US"/>
           </a:p>
@@ -1848,7 +1847,7 @@
           <a:p>
             <a:fld id="{9AB2F1A7-8F21-47BF-A926-FB33229344C5}" type="datetimeFigureOut">
               <a:rPr lang="en-US" smtClean="0"/>
-              <a:t>9/9/2019</a:t>
+              <a:t>9/11/2019</a:t>
             </a:fld>
             <a:endParaRPr lang="en-US"/>
           </a:p>
@@ -1938,7 +1937,7 @@
           <a:p>
             <a:fld id="{9AB2F1A7-8F21-47BF-A926-FB33229344C5}" type="datetimeFigureOut">
               <a:rPr lang="en-US" smtClean="0"/>
-              <a:t>9/9/2019</a:t>
+              <a:t>9/11/2019</a:t>
             </a:fld>
             <a:endParaRPr lang="en-US"/>
           </a:p>
@@ -2208,7 +2207,7 @@
           <a:p>
             <a:fld id="{9AB2F1A7-8F21-47BF-A926-FB33229344C5}" type="datetimeFigureOut">
               <a:rPr lang="en-US" smtClean="0"/>
-              <a:t>9/9/2019</a:t>
+              <a:t>9/11/2019</a:t>
             </a:fld>
             <a:endParaRPr lang="en-US"/>
           </a:p>
@@ -2455,7 +2454,7 @@
           <a:p>
             <a:fld id="{9AB2F1A7-8F21-47BF-A926-FB33229344C5}" type="datetimeFigureOut">
               <a:rPr lang="en-US" smtClean="0"/>
-              <a:t>9/9/2019</a:t>
+              <a:t>9/11/2019</a:t>
             </a:fld>
             <a:endParaRPr lang="en-US"/>
           </a:p>
@@ -2661,7 +2660,7 @@
           <a:p>
             <a:fld id="{9AB2F1A7-8F21-47BF-A926-FB33229344C5}" type="datetimeFigureOut">
               <a:rPr lang="en-US" smtClean="0"/>
-              <a:t>9/9/2019</a:t>
+              <a:t>9/11/2019</a:t>
             </a:fld>
             <a:endParaRPr lang="en-US"/>
           </a:p>
@@ -3395,232 +3394,6 @@
           <a:p>
             <a:r>
               <a:rPr lang="en-US" dirty="0"/>
-              <a:t>Data Analysis for Lab 1 </a:t>
-            </a:r>
-          </a:p>
-        </p:txBody>
-      </p:sp>
-      <p:sp>
-        <p:nvSpPr>
-          <p:cNvPr id="3" name="Content Placeholder 2"/>
-          <p:cNvSpPr>
-            <a:spLocks noGrp="1"/>
-          </p:cNvSpPr>
-          <p:nvPr>
-            <p:ph idx="1"/>
-          </p:nvPr>
-        </p:nvSpPr>
-        <p:spPr>
-          <a:xfrm>
-            <a:off x="485274" y="1459832"/>
-            <a:ext cx="10515600" cy="4925679"/>
-          </a:xfrm>
-        </p:spPr>
-        <p:txBody>
-          <a:bodyPr/>
-          <a:lstStyle/>
-          <a:p>
-            <a:r>
-              <a:rPr lang="en-US" dirty="0"/>
-              <a:t>Enter the class data into </a:t>
-            </a:r>
-            <a:r>
-              <a:rPr lang="en-US" dirty="0" err="1"/>
-              <a:t>StatCrunch</a:t>
-            </a:r>
-            <a:r>
-              <a:rPr lang="en-US" dirty="0"/>
-              <a:t> (at this point all students in the class have the same data and you may work in groups up to four members).  </a:t>
-            </a:r>
-          </a:p>
-          <a:p>
-            <a:pPr lvl="1"/>
-            <a:r>
-              <a:rPr lang="en-US" dirty="0"/>
-              <a:t>Columns to create:   </a:t>
-            </a:r>
-            <a:r>
-              <a:rPr lang="en-US" dirty="0" err="1"/>
-              <a:t>RSmean</a:t>
-            </a:r>
-            <a:r>
-              <a:rPr lang="en-US" dirty="0"/>
-              <a:t>, </a:t>
-            </a:r>
-            <a:r>
-              <a:rPr lang="en-US" dirty="0" err="1"/>
-              <a:t>JSmean</a:t>
-            </a:r>
-            <a:r>
-              <a:rPr lang="en-US" dirty="0"/>
-              <a:t>, </a:t>
-            </a:r>
-            <a:r>
-              <a:rPr lang="en-US" dirty="0" err="1"/>
-              <a:t>RSstddev</a:t>
-            </a:r>
-            <a:r>
-              <a:rPr lang="en-US" dirty="0"/>
-              <a:t>, </a:t>
-            </a:r>
-            <a:r>
-              <a:rPr lang="en-US" dirty="0" err="1"/>
-              <a:t>JSstddev</a:t>
-            </a:r>
-            <a:r>
-              <a:rPr lang="en-US" dirty="0"/>
-              <a:t>.</a:t>
-            </a:r>
-          </a:p>
-          <a:p>
-            <a:pPr lvl="1"/>
-            <a:r>
-              <a:rPr lang="en-US" dirty="0"/>
-              <a:t>Create side-by-side boxplots:  </a:t>
-            </a:r>
-          </a:p>
-          <a:p>
-            <a:pPr lvl="2"/>
-            <a:r>
-              <a:rPr lang="en-US" dirty="0"/>
-              <a:t>Graph -&gt; Boxplot -&gt; Select both columns (</a:t>
-            </a:r>
-            <a:r>
-              <a:rPr lang="en-US" dirty="0" err="1"/>
-              <a:t>RSmean</a:t>
-            </a:r>
-            <a:r>
-              <a:rPr lang="en-US" dirty="0"/>
-              <a:t> and </a:t>
-            </a:r>
-            <a:r>
-              <a:rPr lang="en-US" dirty="0" err="1"/>
-              <a:t>JSmean</a:t>
-            </a:r>
-            <a:r>
-              <a:rPr lang="en-US" dirty="0"/>
-              <a:t>) -&gt; compute.  </a:t>
-            </a:r>
-          </a:p>
-          <a:p>
-            <a:pPr lvl="2"/>
-            <a:r>
-              <a:rPr lang="en-US" dirty="0"/>
-              <a:t>Graph -&gt; Boxplot -&gt; select both columns (</a:t>
-            </a:r>
-            <a:r>
-              <a:rPr lang="en-US" dirty="0" err="1"/>
-              <a:t>RSstddev</a:t>
-            </a:r>
-            <a:r>
-              <a:rPr lang="en-US" dirty="0"/>
-              <a:t> and </a:t>
-            </a:r>
-            <a:r>
-              <a:rPr lang="en-US" dirty="0" err="1"/>
-              <a:t>JSstddev</a:t>
-            </a:r>
-            <a:r>
-              <a:rPr lang="en-US" dirty="0"/>
-              <a:t>) -&gt; compute</a:t>
-            </a:r>
-          </a:p>
-          <a:p>
-            <a:pPr lvl="1"/>
-            <a:r>
-              <a:rPr lang="en-US" dirty="0"/>
-              <a:t>Print out copies of the boxplots (</a:t>
-            </a:r>
-            <a:r>
-              <a:rPr lang="en-US" dirty="0">
-                <a:solidFill>
-                  <a:srgbClr val="C00000"/>
-                </a:solidFill>
-              </a:rPr>
-              <a:t>each student must have individual copy to turn in)</a:t>
-            </a:r>
-            <a:r>
-              <a:rPr lang="en-US" dirty="0"/>
-              <a:t> </a:t>
-            </a:r>
-          </a:p>
-          <a:p>
-            <a:pPr lvl="2"/>
-            <a:r>
-              <a:rPr lang="en-US" dirty="0"/>
-              <a:t>On Mean boxplot add a line at the true population mean (µ= 5.5686). </a:t>
-            </a:r>
-          </a:p>
-          <a:p>
-            <a:pPr lvl="2"/>
-            <a:r>
-              <a:rPr lang="en-US" dirty="0"/>
-              <a:t>On </a:t>
-            </a:r>
-            <a:r>
-              <a:rPr lang="en-US" dirty="0" err="1"/>
-              <a:t>Stddev</a:t>
-            </a:r>
-            <a:r>
-              <a:rPr lang="en-US" dirty="0"/>
-              <a:t> boxplot add a line at the true population standard deviation (</a:t>
-            </a:r>
-            <a:r>
-              <a:rPr lang="el-GR" dirty="0"/>
-              <a:t>σ</a:t>
-            </a:r>
-            <a:r>
-              <a:rPr lang="en-US" dirty="0"/>
-              <a:t> = 6.0008)</a:t>
-            </a:r>
-          </a:p>
-          <a:p>
-            <a:endParaRPr lang="en-US" dirty="0"/>
-          </a:p>
-        </p:txBody>
-      </p:sp>
-    </p:spTree>
-  </p:cSld>
-  <p:clrMapOvr>
-    <a:masterClrMapping/>
-  </p:clrMapOvr>
-</p:sld>
-</file>
-
-<file path=ppt/slides/slide11.xml><?xml version="1.0" encoding="utf-8"?>
-<p:sld xmlns:a="http://schemas.openxmlformats.org/drawingml/2006/main" xmlns:r="http://schemas.openxmlformats.org/officeDocument/2006/relationships" xmlns:p="http://schemas.openxmlformats.org/presentationml/2006/main">
-  <p:cSld>
-    <p:spTree>
-      <p:nvGrpSpPr>
-        <p:cNvPr id="1" name=""/>
-        <p:cNvGrpSpPr/>
-        <p:nvPr/>
-      </p:nvGrpSpPr>
-      <p:grpSpPr>
-        <a:xfrm>
-          <a:off x="0" y="0"/>
-          <a:ext cx="0" cy="0"/>
-          <a:chOff x="0" y="0"/>
-          <a:chExt cx="0" cy="0"/>
-        </a:xfrm>
-      </p:grpSpPr>
-      <p:sp>
-        <p:nvSpPr>
-          <p:cNvPr id="2" name="Title 1"/>
-          <p:cNvSpPr>
-            <a:spLocks noGrp="1"/>
-          </p:cNvSpPr>
-          <p:nvPr>
-            <p:ph type="title"/>
-          </p:nvPr>
-        </p:nvSpPr>
-        <p:spPr/>
-        <p:txBody>
-          <a:bodyPr/>
-          <a:lstStyle/>
-          <a:p>
-            <a:r>
-              <a:rPr lang="en-US" dirty="0"/>
               <a:t>Before to leave </a:t>
             </a:r>
             <a:br>
@@ -3648,7 +3421,7 @@
         </p:spPr>
         <p:txBody>
           <a:bodyPr>
-            <a:normAutofit fontScale="92500" lnSpcReduction="10000"/>
+            <a:normAutofit fontScale="92500" lnSpcReduction="20000"/>
           </a:bodyPr>
           <a:lstStyle/>
           <a:p>
@@ -3706,25 +3479,41 @@
           <a:p>
             <a:pPr lvl="2"/>
             <a:r>
-              <a:rPr lang="en-US" dirty="0"/>
-              <a:t>Positively biased if sample statistics are greater than true population parameters.</a:t>
+              <a:rPr lang="en-US" dirty="0">
+                <a:solidFill>
+                  <a:srgbClr val="FF0000"/>
+                </a:solidFill>
+              </a:rPr>
+              <a:t>Positively biased if sample statistics are greater than true population parameters</a:t>
+            </a:r>
+            <a:r>
+              <a:rPr lang="en-US" dirty="0"/>
+              <a:t>.</a:t>
             </a:r>
           </a:p>
           <a:p>
             <a:pPr lvl="2"/>
             <a:r>
-              <a:rPr lang="en-US" dirty="0"/>
-              <a:t>Negatively biased if sample statistics are less than true population parameters.  </a:t>
-            </a:r>
-          </a:p>
-          <a:p>
-            <a:r>
               <a:rPr lang="en-US" dirty="0">
                 <a:solidFill>
+                  <a:srgbClr val="FF0000"/>
+                </a:solidFill>
+              </a:rPr>
+              <a:t>Negatively biased if sample statistics are less than true population parameters</a:t>
+            </a:r>
+            <a:r>
+              <a:rPr lang="en-US" dirty="0"/>
+              <a:t>.  </a:t>
+            </a:r>
+          </a:p>
+          <a:p>
+            <a:r>
+              <a:rPr lang="en-US" dirty="0">
+                <a:solidFill>
                   <a:srgbClr val="0070C0"/>
                 </a:solidFill>
               </a:rPr>
-              <a:t>6.  You would think that the random sample would be better but based on past labs sometimes the judgment sample gave better results.   </a:t>
+              <a:t>6.  You would think that the random sample would be better but based on past labs sometimes the judgment sample gave better results.   (experienced person might really outperformance random samples)</a:t>
             </a:r>
           </a:p>
           <a:p>
@@ -4169,102 +3958,125 @@
         </p:spPr>
         <p:txBody>
           <a:bodyPr>
-            <a:normAutofit fontScale="92500" lnSpcReduction="10000"/>
+            <a:normAutofit/>
           </a:bodyPr>
           <a:lstStyle/>
           <a:p>
-            <a:r>
-              <a:rPr lang="en-US" sz="3000" dirty="0"/>
-              <a:t>In </a:t>
-            </a:r>
-            <a:r>
-              <a:rPr lang="en-US" sz="3000" dirty="0" err="1"/>
-              <a:t>StatCrunch</a:t>
-            </a:r>
-            <a:r>
-              <a:rPr lang="en-US" sz="3000" dirty="0"/>
-              <a:t>:  </a:t>
-            </a:r>
-          </a:p>
-          <a:p>
-            <a:pPr lvl="1"/>
-            <a:r>
-              <a:rPr lang="en-US" sz="3000" dirty="0"/>
-              <a:t>In the first column put the numbers 1 to 51.  (there will be 51 rows of data)   </a:t>
-            </a:r>
-          </a:p>
-          <a:p>
-            <a:pPr lvl="1"/>
-            <a:r>
-              <a:rPr lang="en-US" sz="3000" dirty="0"/>
-              <a:t>Data -&gt; Sample:</a:t>
-            </a:r>
-          </a:p>
-          <a:p>
-            <a:pPr lvl="2"/>
-            <a:r>
-              <a:rPr lang="en-US" sz="3000" dirty="0"/>
-              <a:t>Select Columns: var1</a:t>
-            </a:r>
-          </a:p>
-          <a:p>
-            <a:pPr lvl="2"/>
-            <a:r>
-              <a:rPr lang="en-US" sz="3000" dirty="0"/>
-              <a:t>Sample size = 5</a:t>
-            </a:r>
-          </a:p>
-          <a:p>
-            <a:pPr lvl="2"/>
-            <a:r>
-              <a:rPr lang="en-US" sz="3000" dirty="0"/>
-              <a:t>Number of samples=4 (one for each member at your table).  </a:t>
-            </a:r>
-          </a:p>
-          <a:p>
-            <a:pPr lvl="2"/>
-            <a:r>
-              <a:rPr lang="en-US" sz="3000" dirty="0"/>
-              <a:t>Make sure the box next to sample with replacement is </a:t>
-            </a:r>
-            <a:r>
-              <a:rPr lang="en-US" sz="3000" u="sng" dirty="0"/>
-              <a:t>not</a:t>
-            </a:r>
-            <a:r>
-              <a:rPr lang="en-US" sz="3000" dirty="0"/>
-              <a:t> checked. </a:t>
-            </a:r>
-          </a:p>
-          <a:p>
-            <a:pPr lvl="2"/>
-            <a:r>
-              <a:rPr lang="en-US" sz="3000" dirty="0"/>
-              <a:t>Compute. </a:t>
-            </a:r>
-          </a:p>
-          <a:p>
-            <a:pPr lvl="2"/>
-            <a:r>
-              <a:rPr lang="en-US" sz="3000" dirty="0"/>
-              <a:t>This information goes into column 1 in Table 1 -1 on page 5.  </a:t>
-            </a:r>
-          </a:p>
-          <a:p>
-            <a:pPr lvl="2"/>
-            <a:r>
-              <a:rPr lang="en-US" sz="3000" dirty="0">
+            <a:pPr marL="0" indent="0">
+              <a:buNone/>
+            </a:pPr>
+            <a:r>
+              <a:rPr lang="en-US" dirty="0">
                 <a:solidFill>
                   <a:schemeClr val="accent1"/>
                 </a:solidFill>
               </a:rPr>
-              <a:t>EACH STUDENT will have different data</a:t>
+              <a:t># you can copy and paste the code</a:t>
+            </a:r>
+          </a:p>
+          <a:p>
+            <a:pPr marL="0" indent="0">
+              <a:buNone/>
+            </a:pPr>
+            <a:r>
+              <a:rPr lang="en-US" altLang="zh-CN" dirty="0">
+                <a:solidFill>
+                  <a:schemeClr val="accent1"/>
+                </a:solidFill>
+              </a:rPr>
+              <a:t># press ctrl + enter to run code</a:t>
+            </a:r>
+          </a:p>
+          <a:p>
+            <a:pPr marL="0" indent="0">
+              <a:buNone/>
+            </a:pPr>
+            <a:r>
+              <a:rPr lang="en-US" dirty="0">
+                <a:solidFill>
+                  <a:schemeClr val="accent1"/>
+                </a:solidFill>
+              </a:rPr>
+              <a:t># generate a sequence of 1 to 51</a:t>
+            </a:r>
+          </a:p>
+          <a:p>
+            <a:pPr marL="0" indent="0">
+              <a:buNone/>
+            </a:pPr>
+            <a:r>
+              <a:rPr lang="en-US" dirty="0">
+                <a:solidFill>
+                  <a:schemeClr val="accent1"/>
+                </a:solidFill>
+              </a:rPr>
+              <a:t>	x&lt;-seq(1,51)</a:t>
+            </a:r>
+          </a:p>
+          <a:p>
+            <a:pPr marL="0" indent="0">
+              <a:buNone/>
+            </a:pPr>
+            <a:r>
+              <a:rPr lang="en-US" dirty="0">
+                <a:solidFill>
+                  <a:schemeClr val="accent1"/>
+                </a:solidFill>
+              </a:rPr>
+              <a:t># generate 5 number with </a:t>
+            </a:r>
+            <a:r>
+              <a:rPr lang="en-US" dirty="0" err="1">
+                <a:solidFill>
+                  <a:schemeClr val="accent1"/>
+                </a:solidFill>
+              </a:rPr>
+              <a:t>replacemant</a:t>
             </a:r>
             <a:endParaRPr lang="en-US" dirty="0">
               <a:solidFill>
                 <a:schemeClr val="accent1"/>
               </a:solidFill>
             </a:endParaRPr>
+          </a:p>
+          <a:p>
+            <a:pPr marL="0" indent="0">
+              <a:buNone/>
+            </a:pPr>
+            <a:r>
+              <a:rPr lang="en-US" dirty="0">
+                <a:solidFill>
+                  <a:schemeClr val="accent1"/>
+                </a:solidFill>
+              </a:rPr>
+              <a:t>	sample(x,5,replace=FALSE)</a:t>
+            </a:r>
+          </a:p>
+          <a:p>
+            <a:pPr marL="0" indent="0">
+              <a:buNone/>
+            </a:pPr>
+            <a:r>
+              <a:rPr lang="en-US" dirty="0">
+                <a:solidFill>
+                  <a:schemeClr val="accent1"/>
+                </a:solidFill>
+              </a:rPr>
+              <a:t># use question mark in front of command to see detail information</a:t>
+            </a:r>
+          </a:p>
+          <a:p>
+            <a:pPr marL="0" indent="0">
+              <a:buNone/>
+            </a:pPr>
+            <a:r>
+              <a:rPr lang="en-US" dirty="0">
+                <a:solidFill>
+                  <a:schemeClr val="accent1"/>
+                </a:solidFill>
+              </a:rPr>
+              <a:t>	?sample(x,5,replace=FALSE)</a:t>
+            </a:r>
           </a:p>
         </p:txBody>
       </p:sp>
@@ -4305,8 +4117,8 @@
         </p:nvSpPr>
         <p:spPr>
           <a:xfrm>
-            <a:off x="276618" y="290926"/>
-            <a:ext cx="11205519" cy="776288"/>
+            <a:off x="230659" y="471291"/>
+            <a:ext cx="10900719" cy="743337"/>
           </a:xfrm>
         </p:spPr>
         <p:txBody>
@@ -4317,14 +4129,14 @@
           <a:p>
             <a:r>
               <a:rPr lang="en-US" dirty="0"/>
-              <a:t>Data Collection</a:t>
+              <a:t>Data Collection </a:t>
             </a:r>
             <a:br>
               <a:rPr lang="en-US" dirty="0"/>
             </a:br>
             <a:r>
               <a:rPr lang="en-US" dirty="0"/>
-              <a:t>	Method 1: Random Sampling</a:t>
+              <a:t>	Method 2: Taking the Judgment Sample</a:t>
             </a:r>
           </a:p>
         </p:txBody>
@@ -4341,90 +4153,68 @@
         </p:nvSpPr>
         <p:spPr>
           <a:xfrm>
-            <a:off x="148281" y="1429461"/>
-            <a:ext cx="11763633" cy="5436973"/>
+            <a:off x="230659" y="1692320"/>
+            <a:ext cx="11123141" cy="5064855"/>
           </a:xfrm>
         </p:spPr>
         <p:txBody>
           <a:bodyPr>
-            <a:noAutofit/>
+            <a:normAutofit/>
           </a:bodyPr>
           <a:lstStyle/>
           <a:p>
             <a:r>
-              <a:rPr lang="en-US" sz="3000" dirty="0"/>
-              <a:t>Each student should weigh the marbles (one at a time). </a:t>
+              <a:rPr lang="en-US" dirty="0"/>
+              <a:t>Each student should select five objects they think are a representative sample. Do not watch each other when choosing samples (must preserve independence)  </a:t>
             </a:r>
           </a:p>
           <a:p>
             <a:pPr lvl="1"/>
             <a:r>
-              <a:rPr lang="en-US" sz="3000" dirty="0">
-                <a:solidFill>
-                  <a:srgbClr val="FF0000"/>
+              <a:rPr lang="en-US" dirty="0"/>
+              <a:t>Choose a combination of the five objects you think can best serve as a sample for the whole box.  </a:t>
+            </a:r>
+          </a:p>
+          <a:p>
+            <a:r>
+              <a:rPr lang="en-US" dirty="0"/>
+              <a:t>Don’t worry about the fact that you might have bad judgment.</a:t>
+            </a:r>
+          </a:p>
+          <a:p>
+            <a:r>
+              <a:rPr lang="en-US" dirty="0"/>
+              <a:t>Fill in table 1-2 on page 5.  </a:t>
+            </a:r>
+          </a:p>
+          <a:p>
+            <a:r>
+              <a:rPr lang="en-US" dirty="0"/>
+              <a:t>Weigh each marble individually (one at a time and </a:t>
+            </a:r>
+            <a:r>
+              <a:rPr lang="en-US" dirty="0">
+                <a:solidFill>
+                  <a:srgbClr val="C00000"/>
                 </a:solidFill>
               </a:rPr>
-              <a:t>Put the marbles back in the same location you got them from.</a:t>
-            </a:r>
-          </a:p>
-          <a:p>
-            <a:r>
-              <a:rPr lang="en-US" sz="3200" dirty="0"/>
-              <a:t>Fill in  table 1-1 on page 5</a:t>
-            </a:r>
-            <a:endParaRPr lang="en-US" sz="3000" dirty="0"/>
-          </a:p>
-          <a:p>
-            <a:r>
-              <a:rPr lang="en-US" sz="3000" dirty="0"/>
-              <a:t>Then calculate the standard deviation and mean by hand using the table.   </a:t>
-            </a:r>
-          </a:p>
-          <a:p>
-            <a:r>
-              <a:rPr lang="en-US" sz="3000" dirty="0"/>
-              <a:t>The table should be completely filled in at this time and the sample mean and sample standard deviation should be known.  </a:t>
-            </a:r>
-          </a:p>
-          <a:p>
-            <a:pPr lvl="1"/>
-            <a:endParaRPr lang="en-US" sz="2600" dirty="0"/>
-          </a:p>
-          <a:p>
-            <a:pPr lvl="1"/>
-            <a:r>
-              <a:rPr lang="en-US" sz="2600" dirty="0"/>
-              <a:t>Once you have done the calculations by hand you may check your answers using </a:t>
-            </a:r>
-            <a:r>
-              <a:rPr lang="en-US" sz="2600" dirty="0" err="1"/>
-              <a:t>StatCrunch</a:t>
-            </a:r>
-            <a:r>
-              <a:rPr lang="en-US" sz="2600" dirty="0"/>
-              <a:t>. </a:t>
-            </a:r>
-          </a:p>
-          <a:p>
-            <a:pPr lvl="2"/>
-            <a:r>
-              <a:rPr lang="en-US" sz="2600" dirty="0"/>
-              <a:t>Enter weights into a column in </a:t>
-            </a:r>
-            <a:r>
-              <a:rPr lang="en-US" sz="2600" dirty="0" err="1"/>
-              <a:t>StatCrunch</a:t>
-            </a:r>
-            <a:r>
-              <a:rPr lang="en-US" sz="2600" dirty="0"/>
-              <a:t>.</a:t>
-            </a:r>
-          </a:p>
-          <a:p>
-            <a:pPr lvl="2"/>
-            <a:r>
-              <a:rPr lang="en-US" sz="2600" dirty="0"/>
-              <a:t>Stat -&gt; Summary Stats -&gt; Select column with the weights -&gt; Compute. </a:t>
+              <a:t>putting them back where you got them fro</a:t>
+            </a:r>
+            <a:r>
+              <a:rPr lang="en-US" dirty="0"/>
+              <a:t>m).</a:t>
+            </a:r>
+          </a:p>
+          <a:p>
+            <a:r>
+              <a:rPr lang="en-US" dirty="0"/>
+              <a:t>Find the sample mean and standard deviation.    </a:t>
+            </a:r>
+          </a:p>
+          <a:p>
+            <a:r>
+              <a:rPr lang="en-US" dirty="0"/>
+              <a:t>Do calculations by hand and then check them using the software.</a:t>
             </a:r>
           </a:p>
         </p:txBody>
@@ -4466,26 +4256,17 @@
         </p:nvSpPr>
         <p:spPr>
           <a:xfrm>
-            <a:off x="230659" y="471291"/>
-            <a:ext cx="10900719" cy="743337"/>
+            <a:off x="280087" y="176088"/>
+            <a:ext cx="10515600" cy="1325563"/>
           </a:xfrm>
         </p:spPr>
         <p:txBody>
-          <a:bodyPr>
-            <a:normAutofit fontScale="90000"/>
-          </a:bodyPr>
-          <a:lstStyle/>
-          <a:p>
-            <a:r>
-              <a:rPr lang="en-US" dirty="0"/>
-              <a:t>Data Collection </a:t>
-            </a:r>
-            <a:br>
-              <a:rPr lang="en-US" dirty="0"/>
-            </a:br>
-            <a:r>
-              <a:rPr lang="en-US" dirty="0"/>
-              <a:t>	Method 2: Taking the Judgment Sample</a:t>
+          <a:bodyPr/>
+          <a:lstStyle/>
+          <a:p>
+            <a:r>
+              <a:rPr lang="en-US" dirty="0"/>
+              <a:t>Data Collection : Combining Class Results </a:t>
             </a:r>
           </a:p>
         </p:txBody>
@@ -4502,8 +4283,8 @@
         </p:nvSpPr>
         <p:spPr>
           <a:xfrm>
-            <a:off x="230659" y="1692320"/>
-            <a:ext cx="11123141" cy="5064855"/>
+            <a:off x="517357" y="1187116"/>
+            <a:ext cx="10515600" cy="4973805"/>
           </a:xfrm>
         </p:spPr>
         <p:txBody>
@@ -4514,56 +4295,158 @@
           <a:p>
             <a:r>
               <a:rPr lang="en-US" dirty="0"/>
-              <a:t>Each student should select five objects they think are a representative sample. Do not watch each other when choosing samples (must preserve independence)  </a:t>
+              <a:t>Each student will share the mean and standard deviation for the random sample and the judgment sample.   </a:t>
+            </a:r>
+          </a:p>
+          <a:p>
+            <a:r>
+              <a:rPr lang="en-US" dirty="0"/>
+              <a:t>All students should fill in table 1.3 on page 6.   </a:t>
+            </a:r>
+          </a:p>
+          <a:p>
+            <a:r>
+              <a:rPr lang="en-US" dirty="0"/>
+              <a:t>Enter the data (at this point all students in the class have the same data and you may work in groups up to four members).  </a:t>
             </a:r>
           </a:p>
           <a:p>
             <a:pPr lvl="1"/>
             <a:r>
               <a:rPr lang="en-US" dirty="0"/>
-              <a:t>Choose a combination of the five objects you think can best serve as a sample for the whole box.  </a:t>
-            </a:r>
-          </a:p>
-          <a:p>
-            <a:r>
-              <a:rPr lang="en-US" dirty="0"/>
-              <a:t>Don’t worry about the fact that you might have bad judgment.</a:t>
-            </a:r>
-          </a:p>
-          <a:p>
-            <a:r>
-              <a:rPr lang="en-US" dirty="0"/>
-              <a:t>Fill in table 1-2 on page 5.  </a:t>
-            </a:r>
-          </a:p>
-          <a:p>
-            <a:r>
-              <a:rPr lang="en-US" dirty="0"/>
-              <a:t>Weigh each marble individually (one at a time and </a:t>
+              <a:t>Columns to create:   </a:t>
+            </a:r>
+            <a:r>
+              <a:rPr lang="en-US" dirty="0" err="1"/>
+              <a:t>RSmean</a:t>
+            </a:r>
+            <a:r>
+              <a:rPr lang="en-US" dirty="0"/>
+              <a:t>, </a:t>
+            </a:r>
+            <a:r>
+              <a:rPr lang="en-US" dirty="0" err="1"/>
+              <a:t>JSmean</a:t>
+            </a:r>
+            <a:r>
+              <a:rPr lang="en-US" dirty="0"/>
+              <a:t>, </a:t>
+            </a:r>
+            <a:r>
+              <a:rPr lang="en-US" dirty="0" err="1"/>
+              <a:t>RSstddev</a:t>
+            </a:r>
+            <a:r>
+              <a:rPr lang="en-US" dirty="0"/>
+              <a:t>, </a:t>
+            </a:r>
+            <a:r>
+              <a:rPr lang="en-US" dirty="0" err="1"/>
+              <a:t>JSstddev</a:t>
+            </a:r>
+            <a:r>
+              <a:rPr lang="en-US" dirty="0"/>
+              <a:t>.</a:t>
+            </a:r>
+          </a:p>
+          <a:p>
+            <a:pPr lvl="1"/>
+            <a:r>
+              <a:rPr lang="en-US" dirty="0"/>
+              <a:t>Create side-by-side boxplots(</a:t>
             </a:r>
             <a:r>
               <a:rPr lang="en-US" dirty="0">
                 <a:solidFill>
-                  <a:srgbClr val="C00000"/>
+                  <a:srgbClr val="FF0000"/>
                 </a:solidFill>
               </a:rPr>
-              <a:t>putting them back where you got them fro</a:t>
-            </a:r>
-            <a:r>
-              <a:rPr lang="en-US" dirty="0"/>
-              <a:t>m).</a:t>
-            </a:r>
-          </a:p>
-          <a:p>
-            <a:r>
-              <a:rPr lang="en-US" dirty="0"/>
-              <a:t>Find the sample mean and standard deviation.    </a:t>
-            </a:r>
-          </a:p>
-          <a:p>
-            <a:r>
-              <a:rPr lang="en-US" dirty="0"/>
-              <a:t>Do calculations by hand and then check them using the software.</a:t>
+              <a:t>R code in website</a:t>
+            </a:r>
+            <a:r>
+              <a:rPr lang="en-US" dirty="0"/>
+              <a:t>):  </a:t>
+            </a:r>
+          </a:p>
+          <a:p>
+            <a:pPr lvl="1"/>
+            <a:endParaRPr lang="en-US" dirty="0"/>
+          </a:p>
+          <a:p>
+            <a:pPr lvl="1"/>
+            <a:r>
+              <a:rPr lang="en-US" dirty="0"/>
+              <a:t>Print out copies of the boxplots (each student must have individual copy to turn in) </a:t>
+            </a:r>
+          </a:p>
+          <a:p>
+            <a:pPr lvl="2"/>
+            <a:r>
+              <a:rPr lang="en-US" dirty="0"/>
+              <a:t>On Mean boxplot add a line at the true </a:t>
+            </a:r>
+            <a:r>
+              <a:rPr lang="en-US" dirty="0">
+                <a:solidFill>
+                  <a:srgbClr val="FF0000"/>
+                </a:solidFill>
+              </a:rPr>
+              <a:t>population mean (µ= 5.5686</a:t>
+            </a:r>
+            <a:r>
+              <a:rPr lang="en-US" dirty="0"/>
+              <a:t>). </a:t>
+            </a:r>
+          </a:p>
+          <a:p>
+            <a:pPr lvl="2"/>
+            <a:r>
+              <a:rPr lang="en-US" dirty="0"/>
+              <a:t>On </a:t>
+            </a:r>
+            <a:r>
+              <a:rPr lang="en-US" dirty="0" err="1"/>
+              <a:t>Stddev</a:t>
+            </a:r>
+            <a:r>
+              <a:rPr lang="en-US" dirty="0"/>
+              <a:t> boxplot add a line at the true </a:t>
+            </a:r>
+            <a:r>
+              <a:rPr lang="en-US" dirty="0">
+                <a:solidFill>
+                  <a:srgbClr val="FF0000"/>
+                </a:solidFill>
+              </a:rPr>
+              <a:t>population</a:t>
+            </a:r>
+            <a:r>
+              <a:rPr lang="en-US" dirty="0"/>
+              <a:t> </a:t>
+            </a:r>
+            <a:r>
+              <a:rPr lang="en-US" dirty="0">
+                <a:solidFill>
+                  <a:srgbClr val="FF0000"/>
+                </a:solidFill>
+              </a:rPr>
+              <a:t>standard deviation (</a:t>
+            </a:r>
+            <a:r>
+              <a:rPr lang="el-GR" dirty="0">
+                <a:solidFill>
+                  <a:srgbClr val="FF0000"/>
+                </a:solidFill>
+              </a:rPr>
+              <a:t>σ</a:t>
+            </a:r>
+            <a:r>
+              <a:rPr lang="en-US" dirty="0">
+                <a:solidFill>
+                  <a:srgbClr val="FF0000"/>
+                </a:solidFill>
+              </a:rPr>
+              <a:t> = 6.0008)</a:t>
             </a:r>
           </a:p>
         </p:txBody>
@@ -4603,10 +4486,32 @@
             <p:ph type="title"/>
           </p:nvPr>
         </p:nvSpPr>
+        <p:spPr/>
+        <p:txBody>
+          <a:bodyPr/>
+          <a:lstStyle/>
+          <a:p>
+            <a:r>
+              <a:rPr lang="en-US" dirty="0"/>
+              <a:t>Data Analysis for Lab 1 </a:t>
+            </a:r>
+          </a:p>
+        </p:txBody>
+      </p:sp>
+      <p:sp>
+        <p:nvSpPr>
+          <p:cNvPr id="3" name="Content Placeholder 2"/>
+          <p:cNvSpPr>
+            <a:spLocks noGrp="1"/>
+          </p:cNvSpPr>
+          <p:nvPr>
+            <p:ph idx="1"/>
+          </p:nvPr>
+        </p:nvSpPr>
         <p:spPr>
           <a:xfrm>
-            <a:off x="280087" y="176088"/>
-            <a:ext cx="10515600" cy="1325563"/>
+            <a:off x="485274" y="1459832"/>
+            <a:ext cx="10515600" cy="4925679"/>
           </a:xfrm>
         </p:spPr>
         <p:txBody>
@@ -4615,48 +4520,7 @@
           <a:p>
             <a:r>
               <a:rPr lang="en-US" dirty="0"/>
-              <a:t>Data Collection : Combining Class Results </a:t>
-            </a:r>
-          </a:p>
-        </p:txBody>
-      </p:sp>
-      <p:sp>
-        <p:nvSpPr>
-          <p:cNvPr id="3" name="Content Placeholder 2"/>
-          <p:cNvSpPr>
-            <a:spLocks noGrp="1"/>
-          </p:cNvSpPr>
-          <p:nvPr>
-            <p:ph idx="1"/>
-          </p:nvPr>
-        </p:nvSpPr>
-        <p:spPr>
-          <a:xfrm>
-            <a:off x="517357" y="1187116"/>
-            <a:ext cx="10515600" cy="4973805"/>
-          </a:xfrm>
-        </p:spPr>
-        <p:txBody>
-          <a:bodyPr>
-            <a:normAutofit fontScale="92500"/>
-          </a:bodyPr>
-          <a:lstStyle/>
-          <a:p>
-            <a:r>
-              <a:rPr lang="en-US" dirty="0"/>
-              <a:t>Each student will share the mean and standard deviation for the random sample and the judgment sample.   </a:t>
-            </a:r>
-          </a:p>
-          <a:p>
-            <a:r>
-              <a:rPr lang="en-US" dirty="0"/>
-              <a:t>All students should fill in table 1.3 on page 6.   </a:t>
-            </a:r>
-          </a:p>
-          <a:p>
-            <a:r>
-              <a:rPr lang="en-US" dirty="0"/>
-              <a:t>Enter the data into </a:t>
+              <a:t>Enter the class data into </a:t>
             </a:r>
             <a:r>
               <a:rPr lang="en-US" dirty="0" err="1"/>
@@ -4717,68 +4581,209 @@
             <a:pPr lvl="2"/>
             <a:r>
               <a:rPr lang="en-US" dirty="0"/>
-              <a:t>Graph -&gt; Boxplot -&gt; Select both columns (</a:t>
-            </a:r>
-            <a:r>
-              <a:rPr lang="en-US" dirty="0" err="1"/>
-              <a:t>RSmean</a:t>
-            </a:r>
-            <a:r>
-              <a:rPr lang="en-US" dirty="0"/>
-              <a:t> and </a:t>
-            </a:r>
-            <a:r>
-              <a:rPr lang="en-US" dirty="0" err="1"/>
-              <a:t>JSmean</a:t>
-            </a:r>
-            <a:r>
-              <a:rPr lang="en-US" dirty="0"/>
-              <a:t>) -&gt; compute.  </a:t>
+              <a:t>Select data(</a:t>
+            </a:r>
+            <a:r>
+              <a:rPr lang="en-US" altLang="zh-CN" dirty="0" err="1"/>
+              <a:t>Rsmean</a:t>
+            </a:r>
+            <a:r>
+              <a:rPr lang="en-US" altLang="zh-CN" dirty="0"/>
+              <a:t>, </a:t>
+            </a:r>
+            <a:r>
+              <a:rPr lang="en-US" altLang="zh-CN" dirty="0" err="1"/>
+              <a:t>Jsmean</a:t>
+            </a:r>
+            <a:r>
+              <a:rPr lang="en-US" altLang="zh-CN" dirty="0"/>
+              <a:t>)</a:t>
+            </a:r>
+            <a:r>
+              <a:rPr lang="en-US" dirty="0"/>
+              <a:t> -&gt; Insert -&gt; Recommended Charts -&gt; </a:t>
+            </a:r>
+            <a:r>
+              <a:rPr lang="en-US" altLang="zh-CN" dirty="0"/>
+              <a:t>All Charts</a:t>
+            </a:r>
+            <a:r>
+              <a:rPr lang="en-US" dirty="0"/>
+              <a:t> -&gt; Box  </a:t>
             </a:r>
           </a:p>
           <a:p>
             <a:pPr lvl="2"/>
             <a:r>
-              <a:rPr lang="en-US" dirty="0"/>
-              <a:t>Graph -&gt; Boxplot -&gt; select both </a:t>
-            </a:r>
-            <a:r>
-              <a:rPr lang="en-US" dirty="0" err="1"/>
-              <a:t>coumns</a:t>
-            </a:r>
-            <a:r>
-              <a:rPr lang="en-US" dirty="0"/>
-              <a:t> (</a:t>
-            </a:r>
-            <a:r>
-              <a:rPr lang="en-US" dirty="0" err="1"/>
+              <a:rPr lang="en-US" altLang="zh-CN" dirty="0"/>
+              <a:t>Select data(</a:t>
+            </a:r>
+            <a:r>
+              <a:rPr lang="en-US" altLang="zh-CN" dirty="0" err="1"/>
               <a:t>RSstddev</a:t>
             </a:r>
             <a:r>
-              <a:rPr lang="en-US" dirty="0"/>
-              <a:t> and </a:t>
-            </a:r>
-            <a:r>
-              <a:rPr lang="en-US" dirty="0" err="1"/>
-              <a:t>JSstddev</a:t>
-            </a:r>
-            <a:r>
-              <a:rPr lang="en-US" dirty="0"/>
-              <a:t>) -&gt; compute</a:t>
-            </a:r>
+              <a:rPr lang="en-US" altLang="zh-CN" dirty="0"/>
+              <a:t>, </a:t>
+            </a:r>
+            <a:r>
+              <a:rPr lang="en-US" altLang="zh-CN" dirty="0" err="1"/>
+              <a:t>Jsstddev</a:t>
+            </a:r>
+            <a:r>
+              <a:rPr lang="en-US" altLang="zh-CN" dirty="0"/>
+              <a:t>) -&gt; Insert -&gt; Recommended Charts -&gt; All Charts -&gt; Box</a:t>
+            </a:r>
+            <a:endParaRPr lang="en-US" dirty="0"/>
           </a:p>
           <a:p>
             <a:pPr lvl="1"/>
             <a:r>
               <a:rPr lang="en-US" dirty="0"/>
-              <a:t>Print out copies of the boxplots (each student must have individual copy to turn in) </a:t>
-            </a:r>
+              <a:t>Print out copies of the boxplots (</a:t>
+            </a:r>
+            <a:r>
+              <a:rPr lang="en-US" dirty="0">
+                <a:solidFill>
+                  <a:srgbClr val="C00000"/>
+                </a:solidFill>
+              </a:rPr>
+              <a:t>each student must have individual copy to turn in,</a:t>
+            </a:r>
+            <a:r>
+              <a:rPr lang="zh-CN" altLang="en-US" dirty="0">
+                <a:solidFill>
+                  <a:srgbClr val="C00000"/>
+                </a:solidFill>
+              </a:rPr>
+              <a:t> </a:t>
+            </a:r>
+            <a:r>
+              <a:rPr lang="en-US" altLang="zh-CN" dirty="0">
+                <a:solidFill>
+                  <a:srgbClr val="C00000"/>
+                </a:solidFill>
+              </a:rPr>
+              <a:t>put</a:t>
+            </a:r>
+            <a:r>
+              <a:rPr lang="zh-CN" altLang="en-US" dirty="0">
+                <a:solidFill>
+                  <a:srgbClr val="C00000"/>
+                </a:solidFill>
+              </a:rPr>
+              <a:t> </a:t>
+            </a:r>
+            <a:r>
+              <a:rPr lang="en-US" altLang="zh-CN" dirty="0">
+                <a:solidFill>
+                  <a:srgbClr val="C00000"/>
+                </a:solidFill>
+              </a:rPr>
+              <a:t>them</a:t>
+            </a:r>
+            <a:r>
+              <a:rPr lang="zh-CN" altLang="en-US" dirty="0">
+                <a:solidFill>
+                  <a:srgbClr val="C00000"/>
+                </a:solidFill>
+              </a:rPr>
+              <a:t> </a:t>
+            </a:r>
+            <a:r>
+              <a:rPr lang="en-US" altLang="zh-CN" dirty="0">
+                <a:solidFill>
+                  <a:srgbClr val="C00000"/>
+                </a:solidFill>
+              </a:rPr>
+              <a:t>in</a:t>
+            </a:r>
+            <a:r>
+              <a:rPr lang="zh-CN" altLang="en-US" dirty="0">
+                <a:solidFill>
+                  <a:srgbClr val="C00000"/>
+                </a:solidFill>
+              </a:rPr>
+              <a:t> </a:t>
+            </a:r>
+            <a:r>
+              <a:rPr lang="en-US" altLang="zh-CN" dirty="0">
+                <a:solidFill>
+                  <a:srgbClr val="C00000"/>
+                </a:solidFill>
+              </a:rPr>
+              <a:t>a</a:t>
+            </a:r>
+            <a:r>
+              <a:rPr lang="zh-CN" altLang="en-US" dirty="0">
+                <a:solidFill>
+                  <a:srgbClr val="C00000"/>
+                </a:solidFill>
+              </a:rPr>
+              <a:t> </a:t>
+            </a:r>
+            <a:r>
+              <a:rPr lang="en-US" altLang="zh-CN" dirty="0">
+                <a:solidFill>
+                  <a:srgbClr val="C00000"/>
+                </a:solidFill>
+              </a:rPr>
+              <a:t>word</a:t>
+            </a:r>
+            <a:r>
+              <a:rPr lang="zh-CN" altLang="en-US" dirty="0">
+                <a:solidFill>
+                  <a:srgbClr val="C00000"/>
+                </a:solidFill>
+              </a:rPr>
+              <a:t> </a:t>
+            </a:r>
+            <a:r>
+              <a:rPr lang="en-US" altLang="zh-CN" dirty="0">
+                <a:solidFill>
+                  <a:srgbClr val="C00000"/>
+                </a:solidFill>
+              </a:rPr>
+              <a:t>document, point out true population mean and standard deviation</a:t>
+            </a:r>
+            <a:r>
+              <a:rPr lang="en-US" dirty="0">
+                <a:solidFill>
+                  <a:srgbClr val="C00000"/>
+                </a:solidFill>
+              </a:rPr>
+              <a:t>)</a:t>
+            </a:r>
+            <a:r>
+              <a:rPr lang="en-US" dirty="0"/>
+              <a:t> </a:t>
+            </a:r>
+          </a:p>
+          <a:p>
+            <a:pPr lvl="1"/>
+            <a:r>
+              <a:rPr lang="en-US" altLang="zh-CN" dirty="0"/>
+              <a:t>I will also post r code to generate boxplot(optional)</a:t>
+            </a:r>
+            <a:endParaRPr lang="en-US" dirty="0"/>
           </a:p>
           <a:p>
             <a:pPr lvl="2"/>
             <a:r>
               <a:rPr lang="en-US" dirty="0"/>
-              <a:t>On Mean boxplot add a line at the true population mean (µ= 5.5686). </a:t>
+              <a:t>On Mean boxplot add a line at the true population mean (</a:t>
+            </a:r>
+            <a:r>
+              <a:rPr lang="en-US" dirty="0">
+                <a:solidFill>
+                  <a:srgbClr val="FF0000"/>
+                </a:solidFill>
+              </a:rPr>
+              <a:t>µ= 5.5686</a:t>
+            </a:r>
+            <a:r>
+              <a:rPr lang="en-US" dirty="0"/>
+              <a:t>). </a:t>
             </a:r>
           </a:p>
           <a:p>
@@ -4796,13 +4801,28 @@
               <a:t> boxplot add a line at the true population standard deviation (</a:t>
             </a:r>
             <a:r>
-              <a:rPr lang="el-GR" dirty="0"/>
+              <a:rPr lang="el-GR" dirty="0">
+                <a:solidFill>
+                  <a:srgbClr val="FF0000"/>
+                </a:solidFill>
+              </a:rPr>
               <a:t>σ</a:t>
             </a:r>
             <a:r>
-              <a:rPr lang="en-US" dirty="0"/>
-              <a:t> = 6.0008)</a:t>
-            </a:r>
+              <a:rPr lang="en-US" dirty="0">
+                <a:solidFill>
+                  <a:srgbClr val="FF0000"/>
+                </a:solidFill>
+              </a:rPr>
+              <a:t> = 6.0008</a:t>
+            </a:r>
+            <a:r>
+              <a:rPr lang="en-US" dirty="0"/>
+              <a:t>)</a:t>
+            </a:r>
+          </a:p>
+          <a:p>
+            <a:endParaRPr lang="en-US" dirty="0"/>
           </a:p>
         </p:txBody>
       </p:sp>

--- a/Lab1/Lab 1.pptx
+++ b/Lab1/Lab 1.pptx
@@ -4744,7 +4744,23 @@
                   <a:srgbClr val="C00000"/>
                 </a:solidFill>
               </a:rPr>
-              <a:t>document, point out true population mean and standard deviation</a:t>
+              <a:t>document, point out true population mean </a:t>
+            </a:r>
+            <a:r>
+              <a:rPr lang="en-US" altLang="zh-CN">
+                <a:solidFill>
+                  <a:srgbClr val="C00000"/>
+                </a:solidFill>
+              </a:rPr>
+              <a:t>and true standard </a:t>
+            </a:r>
+            <a:r>
+              <a:rPr lang="en-US" altLang="zh-CN" dirty="0">
+                <a:solidFill>
+                  <a:srgbClr val="C00000"/>
+                </a:solidFill>
+              </a:rPr>
+              <a:t>deviation</a:t>
             </a:r>
             <a:r>
               <a:rPr lang="en-US" dirty="0">
@@ -4842,7 +4858,7 @@
         <a:sysClr val="windowText" lastClr="000000"/>
       </a:dk1>
       <a:lt1>
-        <a:sysClr val="window" lastClr="FFFFFF"/>
+        <a:sysClr val="window" lastClr="CCE8CF"/>
       </a:lt1>
       <a:dk2>
         <a:srgbClr val="44546A"/>
@@ -5103,7 +5119,7 @@
         <a:sysClr val="windowText" lastClr="000000"/>
       </a:dk1>
       <a:lt1>
-        <a:sysClr val="window" lastClr="FFFFFF"/>
+        <a:sysClr val="window" lastClr="CCE8CF"/>
       </a:lt1>
       <a:dk2>
         <a:srgbClr val="44546A"/>

--- a/Lab1/Lab 1.pptx
+++ b/Lab1/Lab 1.pptx
@@ -4574,7 +4574,7 @@
             <a:pPr lvl="1"/>
             <a:r>
               <a:rPr lang="en-US" dirty="0"/>
-              <a:t>Create side-by-side boxplots:  </a:t>
+              <a:t>Create side-by-side boxplots(excel way):  </a:t>
             </a:r>
           </a:p>
           <a:p>
@@ -4744,23 +4744,7 @@
                   <a:srgbClr val="C00000"/>
                 </a:solidFill>
               </a:rPr>
-              <a:t>document, point out true population mean </a:t>
-            </a:r>
-            <a:r>
-              <a:rPr lang="en-US" altLang="zh-CN">
-                <a:solidFill>
-                  <a:srgbClr val="C00000"/>
-                </a:solidFill>
-              </a:rPr>
-              <a:t>and true standard </a:t>
-            </a:r>
-            <a:r>
-              <a:rPr lang="en-US" altLang="zh-CN" dirty="0">
-                <a:solidFill>
-                  <a:srgbClr val="C00000"/>
-                </a:solidFill>
-              </a:rPr>
-              <a:t>deviation</a:t>
+              <a:t>document, draw the true population mean and true population standard deviation by hand</a:t>
             </a:r>
             <a:r>
               <a:rPr lang="en-US" dirty="0">
@@ -4776,6 +4760,61 @@
             </a:r>
           </a:p>
           <a:p>
+            <a:pPr lvl="2"/>
+            <a:r>
+              <a:rPr lang="en-US" altLang="zh-CN" dirty="0"/>
+              <a:t>On Mean boxplot add a line at the true population mean (</a:t>
+            </a:r>
+            <a:r>
+              <a:rPr lang="en-US" altLang="zh-CN" dirty="0">
+                <a:solidFill>
+                  <a:srgbClr val="FF0000"/>
+                </a:solidFill>
+              </a:rPr>
+              <a:t>µ= 5.5686</a:t>
+            </a:r>
+            <a:r>
+              <a:rPr lang="en-US" altLang="zh-CN" dirty="0"/>
+              <a:t>). </a:t>
+            </a:r>
+          </a:p>
+          <a:p>
+            <a:pPr lvl="2"/>
+            <a:r>
+              <a:rPr lang="en-US" altLang="zh-CN" dirty="0"/>
+              <a:t>On </a:t>
+            </a:r>
+            <a:r>
+              <a:rPr lang="en-US" altLang="zh-CN" dirty="0" err="1"/>
+              <a:t>Stddev</a:t>
+            </a:r>
+            <a:r>
+              <a:rPr lang="en-US" altLang="zh-CN" dirty="0"/>
+              <a:t> boxplot add a line at the true population standard deviation (</a:t>
+            </a:r>
+            <a:r>
+              <a:rPr lang="el-GR" altLang="zh-CN" dirty="0">
+                <a:solidFill>
+                  <a:srgbClr val="FF0000"/>
+                </a:solidFill>
+              </a:rPr>
+              <a:t>σ</a:t>
+            </a:r>
+            <a:r>
+              <a:rPr lang="en-US" altLang="zh-CN" dirty="0">
+                <a:solidFill>
+                  <a:srgbClr val="FF0000"/>
+                </a:solidFill>
+              </a:rPr>
+              <a:t> = 6.0008</a:t>
+            </a:r>
+            <a:r>
+              <a:rPr lang="en-US" altLang="zh-CN" dirty="0"/>
+              <a:t>)</a:t>
+            </a:r>
+            <a:endParaRPr lang="en-US" dirty="0"/>
+          </a:p>
+          <a:p>
             <a:pPr lvl="1"/>
             <a:r>
               <a:rPr lang="en-US" altLang="zh-CN" dirty="0"/>
@@ -4785,57 +4824,7 @@
           </a:p>
           <a:p>
             <a:pPr lvl="2"/>
-            <a:r>
-              <a:rPr lang="en-US" dirty="0"/>
-              <a:t>On Mean boxplot add a line at the true population mean (</a:t>
-            </a:r>
-            <a:r>
-              <a:rPr lang="en-US" dirty="0">
-                <a:solidFill>
-                  <a:srgbClr val="FF0000"/>
-                </a:solidFill>
-              </a:rPr>
-              <a:t>µ= 5.5686</a:t>
-            </a:r>
-            <a:r>
-              <a:rPr lang="en-US" dirty="0"/>
-              <a:t>). </a:t>
-            </a:r>
-          </a:p>
-          <a:p>
-            <a:pPr lvl="2"/>
-            <a:r>
-              <a:rPr lang="en-US" dirty="0"/>
-              <a:t>On </a:t>
-            </a:r>
-            <a:r>
-              <a:rPr lang="en-US" dirty="0" err="1"/>
-              <a:t>Stddev</a:t>
-            </a:r>
-            <a:r>
-              <a:rPr lang="en-US" dirty="0"/>
-              <a:t> boxplot add a line at the true population standard deviation (</a:t>
-            </a:r>
-            <a:r>
-              <a:rPr lang="el-GR" dirty="0">
-                <a:solidFill>
-                  <a:srgbClr val="FF0000"/>
-                </a:solidFill>
-              </a:rPr>
-              <a:t>σ</a:t>
-            </a:r>
-            <a:r>
-              <a:rPr lang="en-US" dirty="0">
-                <a:solidFill>
-                  <a:srgbClr val="FF0000"/>
-                </a:solidFill>
-              </a:rPr>
-              <a:t> = 6.0008</a:t>
-            </a:r>
-            <a:r>
-              <a:rPr lang="en-US" dirty="0"/>
-              <a:t>)</a:t>
-            </a:r>
+            <a:endParaRPr lang="en-US" dirty="0"/>
           </a:p>
           <a:p>
             <a:endParaRPr lang="en-US" dirty="0"/>

--- a/Lab1/Lab 1.pptx
+++ b/Lab1/Lab 1.pptx
@@ -5,7 +5,7 @@
     <p:sldMasterId id="2147483648" r:id="rId1"/>
   </p:sldMasterIdLst>
   <p:handoutMasterIdLst>
-    <p:handoutMasterId r:id="rId12"/>
+    <p:handoutMasterId r:id="rId11"/>
   </p:handoutMasterIdLst>
   <p:sldIdLst>
     <p:sldId id="256" r:id="rId2"/>
@@ -16,8 +16,7 @@
     <p:sldId id="273" r:id="rId7"/>
     <p:sldId id="262" r:id="rId8"/>
     <p:sldId id="274" r:id="rId9"/>
-    <p:sldId id="272" r:id="rId10"/>
-    <p:sldId id="265" r:id="rId11"/>
+    <p:sldId id="265" r:id="rId10"/>
   </p:sldIdLst>
   <p:sldSz cx="12192000" cy="6858000"/>
   <p:notesSz cx="7010400" cy="9296400"/>
@@ -3360,178 +3359,6 @@
 </p:sld>
 </file>
 
-<file path=ppt/slides/slide10.xml><?xml version="1.0" encoding="utf-8"?>
-<p:sld xmlns:a="http://schemas.openxmlformats.org/drawingml/2006/main" xmlns:r="http://schemas.openxmlformats.org/officeDocument/2006/relationships" xmlns:p="http://schemas.openxmlformats.org/presentationml/2006/main">
-  <p:cSld>
-    <p:spTree>
-      <p:nvGrpSpPr>
-        <p:cNvPr id="1" name=""/>
-        <p:cNvGrpSpPr/>
-        <p:nvPr/>
-      </p:nvGrpSpPr>
-      <p:grpSpPr>
-        <a:xfrm>
-          <a:off x="0" y="0"/>
-          <a:ext cx="0" cy="0"/>
-          <a:chOff x="0" y="0"/>
-          <a:chExt cx="0" cy="0"/>
-        </a:xfrm>
-      </p:grpSpPr>
-      <p:sp>
-        <p:nvSpPr>
-          <p:cNvPr id="2" name="Title 1"/>
-          <p:cNvSpPr>
-            <a:spLocks noGrp="1"/>
-          </p:cNvSpPr>
-          <p:nvPr>
-            <p:ph type="title"/>
-          </p:nvPr>
-        </p:nvSpPr>
-        <p:spPr/>
-        <p:txBody>
-          <a:bodyPr/>
-          <a:lstStyle/>
-          <a:p>
-            <a:r>
-              <a:rPr lang="en-US" dirty="0"/>
-              <a:t>Before to leave </a:t>
-            </a:r>
-            <a:br>
-              <a:rPr lang="en-US" dirty="0"/>
-            </a:br>
-            <a:endParaRPr lang="en-US" dirty="0"/>
-          </a:p>
-        </p:txBody>
-      </p:sp>
-      <p:sp>
-        <p:nvSpPr>
-          <p:cNvPr id="3" name="Content Placeholder 2"/>
-          <p:cNvSpPr>
-            <a:spLocks noGrp="1"/>
-          </p:cNvSpPr>
-          <p:nvPr>
-            <p:ph idx="1"/>
-          </p:nvPr>
-        </p:nvSpPr>
-        <p:spPr>
-          <a:xfrm>
-            <a:off x="247135" y="1235676"/>
-            <a:ext cx="11106665" cy="4941287"/>
-          </a:xfrm>
-        </p:spPr>
-        <p:txBody>
-          <a:bodyPr>
-            <a:normAutofit fontScale="92500" lnSpcReduction="20000"/>
-          </a:bodyPr>
-          <a:lstStyle/>
-          <a:p>
-            <a:r>
-              <a:rPr lang="en-US" dirty="0"/>
-              <a:t>Turn in pages 5-8 from the lab book. </a:t>
-            </a:r>
-            <a:r>
-              <a:rPr lang="en-US" i="1" dirty="0"/>
-              <a:t>Everyone needs to turn in their own work (and individual copies of the printed output) </a:t>
-            </a:r>
-          </a:p>
-          <a:p>
-            <a:pPr lvl="1"/>
-            <a:r>
-              <a:rPr lang="en-US" dirty="0"/>
-              <a:t>Make sure tables are filled in </a:t>
-            </a:r>
-          </a:p>
-          <a:p>
-            <a:pPr lvl="1"/>
-            <a:r>
-              <a:rPr lang="en-US" dirty="0"/>
-              <a:t>Make sure you answer all questions completely </a:t>
-            </a:r>
-          </a:p>
-          <a:p>
-            <a:pPr marL="457200" lvl="1" indent="0">
-              <a:buNone/>
-            </a:pPr>
-            <a:endParaRPr lang="en-US" dirty="0"/>
-          </a:p>
-          <a:p>
-            <a:pPr marL="457200" lvl="1" indent="0">
-              <a:buNone/>
-            </a:pPr>
-            <a:r>
-              <a:rPr lang="en-US" dirty="0"/>
-              <a:t>QUESTION HINTS: </a:t>
-            </a:r>
-          </a:p>
-          <a:p>
-            <a:r>
-              <a:rPr lang="en-US" dirty="0"/>
-              <a:t>2 – 5.  Look at boxplot and see where the true parameters fall on the boxplots.   </a:t>
-            </a:r>
-          </a:p>
-          <a:p>
-            <a:pPr lvl="1"/>
-            <a:r>
-              <a:rPr lang="en-US" dirty="0"/>
-              <a:t>For describing the bias of the statistics:</a:t>
-            </a:r>
-          </a:p>
-          <a:p>
-            <a:pPr lvl="2"/>
-            <a:r>
-              <a:rPr lang="en-US" dirty="0">
-                <a:solidFill>
-                  <a:srgbClr val="FF0000"/>
-                </a:solidFill>
-              </a:rPr>
-              <a:t>Positively biased if sample statistics are greater than true population parameters</a:t>
-            </a:r>
-            <a:r>
-              <a:rPr lang="en-US" dirty="0"/>
-              <a:t>.</a:t>
-            </a:r>
-          </a:p>
-          <a:p>
-            <a:pPr lvl="2"/>
-            <a:r>
-              <a:rPr lang="en-US" dirty="0">
-                <a:solidFill>
-                  <a:srgbClr val="FF0000"/>
-                </a:solidFill>
-              </a:rPr>
-              <a:t>Negatively biased if sample statistics are less than true population parameters</a:t>
-            </a:r>
-            <a:r>
-              <a:rPr lang="en-US" dirty="0"/>
-              <a:t>.  </a:t>
-            </a:r>
-          </a:p>
-          <a:p>
-            <a:r>
-              <a:rPr lang="en-US" dirty="0">
-                <a:solidFill>
-                  <a:srgbClr val="0070C0"/>
-                </a:solidFill>
-              </a:rPr>
-              <a:t>6.  You would think that the random sample would be better but based on past labs sometimes the judgment sample gave better results.   (experienced person might really outperformance random samples)</a:t>
-            </a:r>
-          </a:p>
-          <a:p>
-            <a:r>
-              <a:rPr lang="en-US" dirty="0"/>
-              <a:t>8.  Read reality check</a:t>
-            </a:r>
-          </a:p>
-        </p:txBody>
-      </p:sp>
-    </p:spTree>
-  </p:cSld>
-  <p:clrMapOvr>
-    <a:masterClrMapping/>
-  </p:clrMapOvr>
-</p:sld>
-</file>
-
 <file path=ppt/slides/slide2.xml><?xml version="1.0" encoding="utf-8"?>
 <p:sld xmlns:a="http://schemas.openxmlformats.org/drawingml/2006/main" xmlns:r="http://schemas.openxmlformats.org/officeDocument/2006/relationships" xmlns:p="http://schemas.openxmlformats.org/presentationml/2006/main">
   <p:cSld>
@@ -3991,6 +3818,16 @@
             <a:pPr marL="0" indent="0">
               <a:buNone/>
             </a:pPr>
+            <a:endParaRPr lang="en-US" altLang="zh-CN" dirty="0">
+              <a:solidFill>
+                <a:schemeClr val="accent1"/>
+              </a:solidFill>
+            </a:endParaRPr>
+          </a:p>
+          <a:p>
+            <a:pPr marL="0" indent="0">
+              <a:buNone/>
+            </a:pPr>
             <a:r>
               <a:rPr lang="en-US" dirty="0">
                 <a:solidFill>
@@ -4069,14 +3906,11 @@
             <a:pPr marL="0" indent="0">
               <a:buNone/>
             </a:pPr>
-            <a:r>
-              <a:rPr lang="en-US" dirty="0">
-                <a:solidFill>
-                  <a:schemeClr val="accent1"/>
-                </a:solidFill>
-              </a:rPr>
-              <a:t>	?sample(x,5,replace=FALSE)</a:t>
-            </a:r>
+            <a:endParaRPr lang="en-US" dirty="0">
+              <a:solidFill>
+                <a:schemeClr val="accent1"/>
+              </a:solidFill>
+            </a:endParaRPr>
           </a:p>
         </p:txBody>
       </p:sp>
@@ -4493,8 +4327,12 @@
           <a:p>
             <a:r>
               <a:rPr lang="en-US" dirty="0"/>
-              <a:t>Data Analysis for Lab 1 </a:t>
-            </a:r>
+              <a:t>Before to leave </a:t>
+            </a:r>
+            <a:br>
+              <a:rPr lang="en-US" dirty="0"/>
+            </a:br>
+            <a:endParaRPr lang="en-US" dirty="0"/>
           </a:p>
         </p:txBody>
       </p:sp>
@@ -4510,324 +4348,112 @@
         </p:nvSpPr>
         <p:spPr>
           <a:xfrm>
-            <a:off x="485274" y="1459832"/>
-            <a:ext cx="10515600" cy="4925679"/>
+            <a:off x="247135" y="1235676"/>
+            <a:ext cx="11106665" cy="4941287"/>
           </a:xfrm>
         </p:spPr>
         <p:txBody>
-          <a:bodyPr/>
-          <a:lstStyle/>
-          <a:p>
-            <a:r>
-              <a:rPr lang="en-US" dirty="0"/>
-              <a:t>Enter the class data into </a:t>
-            </a:r>
-            <a:r>
-              <a:rPr lang="en-US" dirty="0" err="1"/>
-              <a:t>StatCrunch</a:t>
-            </a:r>
-            <a:r>
-              <a:rPr lang="en-US" dirty="0"/>
-              <a:t> (at this point all students in the class have the same data and you may work in groups up to four members).  </a:t>
+          <a:bodyPr>
+            <a:normAutofit fontScale="92500" lnSpcReduction="20000"/>
+          </a:bodyPr>
+          <a:lstStyle/>
+          <a:p>
+            <a:r>
+              <a:rPr lang="en-US" dirty="0"/>
+              <a:t>Turn in pages 5-8 from the lab book. </a:t>
+            </a:r>
+            <a:r>
+              <a:rPr lang="en-US" i="1" dirty="0"/>
+              <a:t>Everyone needs to turn in their own work (and individual copies of the printed output) </a:t>
             </a:r>
           </a:p>
           <a:p>
             <a:pPr lvl="1"/>
             <a:r>
               <a:rPr lang="en-US" dirty="0"/>
-              <a:t>Columns to create:   </a:t>
-            </a:r>
-            <a:r>
-              <a:rPr lang="en-US" dirty="0" err="1"/>
-              <a:t>RSmean</a:t>
-            </a:r>
-            <a:r>
-              <a:rPr lang="en-US" dirty="0"/>
-              <a:t>, </a:t>
-            </a:r>
-            <a:r>
-              <a:rPr lang="en-US" dirty="0" err="1"/>
-              <a:t>JSmean</a:t>
-            </a:r>
-            <a:r>
-              <a:rPr lang="en-US" dirty="0"/>
-              <a:t>, </a:t>
-            </a:r>
-            <a:r>
-              <a:rPr lang="en-US" dirty="0" err="1"/>
-              <a:t>RSstddev</a:t>
-            </a:r>
-            <a:r>
-              <a:rPr lang="en-US" dirty="0"/>
-              <a:t>, </a:t>
-            </a:r>
-            <a:r>
-              <a:rPr lang="en-US" dirty="0" err="1"/>
-              <a:t>JSstddev</a:t>
-            </a:r>
-            <a:r>
-              <a:rPr lang="en-US" dirty="0"/>
-              <a:t>.</a:t>
+              <a:t>Make sure tables are filled in </a:t>
             </a:r>
           </a:p>
           <a:p>
             <a:pPr lvl="1"/>
             <a:r>
               <a:rPr lang="en-US" dirty="0"/>
-              <a:t>Create side-by-side boxplots(excel way):  </a:t>
+              <a:t>Make sure you answer all questions completely </a:t>
+            </a:r>
+          </a:p>
+          <a:p>
+            <a:pPr marL="457200" lvl="1" indent="0">
+              <a:buNone/>
+            </a:pPr>
+            <a:endParaRPr lang="en-US" dirty="0"/>
+          </a:p>
+          <a:p>
+            <a:pPr marL="457200" lvl="1" indent="0">
+              <a:buNone/>
+            </a:pPr>
+            <a:r>
+              <a:rPr lang="en-US" dirty="0"/>
+              <a:t>QUESTION HINTS: </a:t>
+            </a:r>
+          </a:p>
+          <a:p>
+            <a:r>
+              <a:rPr lang="en-US" dirty="0"/>
+              <a:t>2 – 5.  Look at boxplot and see where the true parameters fall on the boxplots.   </a:t>
+            </a:r>
+          </a:p>
+          <a:p>
+            <a:pPr lvl="1"/>
+            <a:r>
+              <a:rPr lang="en-US" dirty="0"/>
+              <a:t>For describing the bias of the statistics:</a:t>
             </a:r>
           </a:p>
           <a:p>
             <a:pPr lvl="2"/>
             <a:r>
-              <a:rPr lang="en-US" dirty="0"/>
-              <a:t>Select data(</a:t>
-            </a:r>
-            <a:r>
-              <a:rPr lang="en-US" altLang="zh-CN" dirty="0" err="1"/>
-              <a:t>Rsmean</a:t>
-            </a:r>
-            <a:r>
-              <a:rPr lang="en-US" altLang="zh-CN" dirty="0"/>
-              <a:t>, </a:t>
-            </a:r>
-            <a:r>
-              <a:rPr lang="en-US" altLang="zh-CN" dirty="0" err="1"/>
-              <a:t>Jsmean</a:t>
-            </a:r>
-            <a:r>
-              <a:rPr lang="en-US" altLang="zh-CN" dirty="0"/>
-              <a:t>)</a:t>
-            </a:r>
-            <a:r>
-              <a:rPr lang="en-US" dirty="0"/>
-              <a:t> -&gt; Insert -&gt; Recommended Charts -&gt; </a:t>
-            </a:r>
-            <a:r>
-              <a:rPr lang="en-US" altLang="zh-CN" dirty="0"/>
-              <a:t>All Charts</a:t>
-            </a:r>
-            <a:r>
-              <a:rPr lang="en-US" dirty="0"/>
-              <a:t> -&gt; Box  </a:t>
-            </a:r>
-          </a:p>
-          <a:p>
-            <a:pPr lvl="2"/>
-            <a:r>
-              <a:rPr lang="en-US" altLang="zh-CN" dirty="0"/>
-              <a:t>Select data(</a:t>
-            </a:r>
-            <a:r>
-              <a:rPr lang="en-US" altLang="zh-CN" dirty="0" err="1"/>
-              <a:t>RSstddev</a:t>
-            </a:r>
-            <a:r>
-              <a:rPr lang="en-US" altLang="zh-CN" dirty="0"/>
-              <a:t>, </a:t>
-            </a:r>
-            <a:r>
-              <a:rPr lang="en-US" altLang="zh-CN" dirty="0" err="1"/>
-              <a:t>Jsstddev</a:t>
-            </a:r>
-            <a:r>
-              <a:rPr lang="en-US" altLang="zh-CN" dirty="0"/>
-              <a:t>) -&gt; Insert -&gt; Recommended Charts -&gt; All Charts -&gt; Box</a:t>
-            </a:r>
-            <a:endParaRPr lang="en-US" dirty="0"/>
-          </a:p>
-          <a:p>
-            <a:pPr lvl="1"/>
-            <a:r>
-              <a:rPr lang="en-US" dirty="0"/>
-              <a:t>Print out copies of the boxplots (</a:t>
-            </a:r>
-            <a:r>
               <a:rPr lang="en-US" dirty="0">
-                <a:solidFill>
-                  <a:srgbClr val="C00000"/>
-                </a:solidFill>
-              </a:rPr>
-              <a:t>each student must have individual copy to turn in,</a:t>
-            </a:r>
-            <a:r>
-              <a:rPr lang="zh-CN" altLang="en-US" dirty="0">
-                <a:solidFill>
-                  <a:srgbClr val="C00000"/>
-                </a:solidFill>
-              </a:rPr>
-              <a:t> </a:t>
-            </a:r>
-            <a:r>
-              <a:rPr lang="en-US" altLang="zh-CN" dirty="0">
-                <a:solidFill>
-                  <a:srgbClr val="C00000"/>
-                </a:solidFill>
-              </a:rPr>
-              <a:t>put</a:t>
-            </a:r>
-            <a:r>
-              <a:rPr lang="zh-CN" altLang="en-US" dirty="0">
-                <a:solidFill>
-                  <a:srgbClr val="C00000"/>
-                </a:solidFill>
-              </a:rPr>
-              <a:t> </a:t>
-            </a:r>
-            <a:r>
-              <a:rPr lang="en-US" altLang="zh-CN" dirty="0">
-                <a:solidFill>
-                  <a:srgbClr val="C00000"/>
-                </a:solidFill>
-              </a:rPr>
-              <a:t>them</a:t>
-            </a:r>
-            <a:r>
-              <a:rPr lang="zh-CN" altLang="en-US" dirty="0">
-                <a:solidFill>
-                  <a:srgbClr val="C00000"/>
-                </a:solidFill>
-              </a:rPr>
-              <a:t> </a:t>
-            </a:r>
-            <a:r>
-              <a:rPr lang="en-US" altLang="zh-CN" dirty="0">
-                <a:solidFill>
-                  <a:srgbClr val="C00000"/>
-                </a:solidFill>
-              </a:rPr>
-              <a:t>in</a:t>
-            </a:r>
-            <a:r>
-              <a:rPr lang="zh-CN" altLang="en-US" dirty="0">
-                <a:solidFill>
-                  <a:srgbClr val="C00000"/>
-                </a:solidFill>
-              </a:rPr>
-              <a:t> </a:t>
-            </a:r>
-            <a:r>
-              <a:rPr lang="en-US" altLang="zh-CN" dirty="0">
-                <a:solidFill>
-                  <a:srgbClr val="C00000"/>
-                </a:solidFill>
-              </a:rPr>
-              <a:t>a</a:t>
-            </a:r>
-            <a:r>
-              <a:rPr lang="zh-CN" altLang="en-US" dirty="0">
-                <a:solidFill>
-                  <a:srgbClr val="C00000"/>
-                </a:solidFill>
-              </a:rPr>
-              <a:t> </a:t>
-            </a:r>
-            <a:r>
-              <a:rPr lang="en-US" altLang="zh-CN" dirty="0">
-                <a:solidFill>
-                  <a:srgbClr val="C00000"/>
-                </a:solidFill>
-              </a:rPr>
-              <a:t>word</a:t>
-            </a:r>
-            <a:r>
-              <a:rPr lang="zh-CN" altLang="en-US" dirty="0">
-                <a:solidFill>
-                  <a:srgbClr val="C00000"/>
-                </a:solidFill>
-              </a:rPr>
-              <a:t> </a:t>
-            </a:r>
-            <a:r>
-              <a:rPr lang="en-US" altLang="zh-CN" dirty="0">
-                <a:solidFill>
-                  <a:srgbClr val="C00000"/>
-                </a:solidFill>
-              </a:rPr>
-              <a:t>document, draw the true population mean and true population standard deviation by hand</a:t>
-            </a:r>
-            <a:r>
-              <a:rPr lang="en-US" dirty="0">
-                <a:solidFill>
-                  <a:srgbClr val="C00000"/>
-                </a:solidFill>
-              </a:rPr>
-              <a:t>)</a:t>
-            </a:r>
-            <a:r>
-              <a:rPr lang="en-US" dirty="0"/>
-              <a:t> </a:t>
-            </a:r>
-          </a:p>
-          <a:p>
-            <a:pPr lvl="2"/>
-            <a:r>
-              <a:rPr lang="en-US" altLang="zh-CN" dirty="0"/>
-              <a:t>On Mean boxplot add a line at the true population mean (</a:t>
-            </a:r>
-            <a:r>
-              <a:rPr lang="en-US" altLang="zh-CN" dirty="0">
                 <a:solidFill>
                   <a:srgbClr val="FF0000"/>
                 </a:solidFill>
               </a:rPr>
-              <a:t>µ= 5.5686</a:t>
-            </a:r>
-            <a:r>
-              <a:rPr lang="en-US" altLang="zh-CN" dirty="0"/>
-              <a:t>). </a:t>
+              <a:t>Positively biased if sample statistics are greater than true population parameters</a:t>
+            </a:r>
+            <a:r>
+              <a:rPr lang="en-US" dirty="0"/>
+              <a:t>.</a:t>
             </a:r>
           </a:p>
           <a:p>
             <a:pPr lvl="2"/>
             <a:r>
-              <a:rPr lang="en-US" altLang="zh-CN" dirty="0"/>
-              <a:t>On </a:t>
-            </a:r>
-            <a:r>
-              <a:rPr lang="en-US" altLang="zh-CN" dirty="0" err="1"/>
-              <a:t>Stddev</a:t>
-            </a:r>
-            <a:r>
-              <a:rPr lang="en-US" altLang="zh-CN" dirty="0"/>
-              <a:t> boxplot add a line at the true population standard deviation (</a:t>
-            </a:r>
-            <a:r>
-              <a:rPr lang="el-GR" altLang="zh-CN" dirty="0">
+              <a:rPr lang="en-US" dirty="0">
                 <a:solidFill>
                   <a:srgbClr val="FF0000"/>
                 </a:solidFill>
               </a:rPr>
-              <a:t>σ</a:t>
-            </a:r>
-            <a:r>
-              <a:rPr lang="en-US" altLang="zh-CN" dirty="0">
+              <a:t>Negatively biased if sample statistics are less than true population parameters</a:t>
+            </a:r>
+            <a:r>
+              <a:rPr lang="en-US" dirty="0"/>
+              <a:t>.  </a:t>
+            </a:r>
+          </a:p>
+          <a:p>
+            <a:r>
+              <a:rPr lang="en-US" dirty="0">
                 <a:solidFill>
-                  <a:srgbClr val="FF0000"/>
+                  <a:srgbClr val="0070C0"/>
                 </a:solidFill>
               </a:rPr>
-              <a:t> = 6.0008</a:t>
-            </a:r>
-            <a:r>
-              <a:rPr lang="en-US" altLang="zh-CN" dirty="0"/>
-              <a:t>)</a:t>
-            </a:r>
-            <a:endParaRPr lang="en-US" dirty="0"/>
-          </a:p>
-          <a:p>
-            <a:pPr lvl="1"/>
-            <a:r>
-              <a:rPr lang="en-US" altLang="zh-CN" dirty="0"/>
-              <a:t>I will also post r code to generate boxplot(optional)</a:t>
-            </a:r>
-            <a:endParaRPr lang="en-US" dirty="0"/>
-          </a:p>
-          <a:p>
-            <a:pPr lvl="2"/>
-            <a:endParaRPr lang="en-US" dirty="0"/>
-          </a:p>
-          <a:p>
-            <a:endParaRPr lang="en-US" dirty="0"/>
+              <a:t>6.  You would think that the random sample would be better but based on past labs sometimes the judgment sample gave better results.   (experienced person might really outperformance random samples)</a:t>
+            </a:r>
+          </a:p>
+          <a:p>
+            <a:r>
+              <a:rPr lang="en-US" dirty="0"/>
+              <a:t>8.  Read reality check</a:t>
+            </a:r>
           </a:p>
         </p:txBody>
       </p:sp>
@@ -4847,7 +4473,7 @@
         <a:sysClr val="windowText" lastClr="000000"/>
       </a:dk1>
       <a:lt1>
-        <a:sysClr val="window" lastClr="CCE8CF"/>
+        <a:sysClr val="window" lastClr="FFFFFF"/>
       </a:lt1>
       <a:dk2>
         <a:srgbClr val="44546A"/>
@@ -5108,7 +4734,7 @@
         <a:sysClr val="windowText" lastClr="000000"/>
       </a:dk1>
       <a:lt1>
-        <a:sysClr val="window" lastClr="CCE8CF"/>
+        <a:sysClr val="window" lastClr="FFFFFF"/>
       </a:lt1>
       <a:dk2>
         <a:srgbClr val="44546A"/>
